--- a/Curriculum_powerBI/background.pptx
+++ b/Curriculum_powerBI/background.pptx
@@ -7,7 +7,7 @@
   <p:sldIdLst>
     <p:sldId id="256" r:id="rId2"/>
   </p:sldIdLst>
-  <p:sldSz cx="9525000" cy="11430000"/>
+  <p:sldSz cx="13011150" cy="7315200"/>
   <p:notesSz cx="6858000" cy="9144000"/>
   <p:defaultTextStyle>
     <a:defPPr>
@@ -104,11 +104,6 @@
       </a:defRPr>
     </a:lvl9pPr>
   </p:defaultTextStyle>
-  <p:extLst>
-    <p:ext uri="{EFAFB233-063F-42B5-8137-9DF3F51BA10A}">
-      <p15:sldGuideLst xmlns:p15="http://schemas.microsoft.com/office/powerpoint/2012/main"/>
-    </p:ext>
-  </p:extLst>
 </p:presentation>
 </file>
 
@@ -141,15 +136,15 @@
         </p:nvSpPr>
         <p:spPr>
           <a:xfrm>
-            <a:off x="714375" y="1870605"/>
-            <a:ext cx="8096250" cy="3979333"/>
+            <a:off x="1626394" y="1197187"/>
+            <a:ext cx="9758363" cy="2546773"/>
           </a:xfrm>
         </p:spPr>
         <p:txBody>
           <a:bodyPr anchor="b"/>
           <a:lstStyle>
             <a:lvl1pPr algn="ctr">
-              <a:defRPr sz="6250"/>
+              <a:defRPr sz="6400"/>
             </a:lvl1pPr>
           </a:lstStyle>
           <a:p>
@@ -173,8 +168,8 @@
         </p:nvSpPr>
         <p:spPr>
           <a:xfrm>
-            <a:off x="1190625" y="6003397"/>
-            <a:ext cx="7143750" cy="2759603"/>
+            <a:off x="1626394" y="3842174"/>
+            <a:ext cx="9758363" cy="1766146"/>
           </a:xfrm>
         </p:spPr>
         <p:txBody>
@@ -182,39 +177,39 @@
           <a:lstStyle>
             <a:lvl1pPr marL="0" indent="0" algn="ctr">
               <a:buNone/>
-              <a:defRPr sz="2500"/>
+              <a:defRPr sz="2560"/>
             </a:lvl1pPr>
-            <a:lvl2pPr marL="476265" indent="0" algn="ctr">
-              <a:buNone/>
-              <a:defRPr sz="2083"/>
+            <a:lvl2pPr marL="487695" indent="0" algn="ctr">
+              <a:buNone/>
+              <a:defRPr sz="2133"/>
             </a:lvl2pPr>
-            <a:lvl3pPr marL="952530" indent="0" algn="ctr">
-              <a:buNone/>
-              <a:defRPr sz="1875"/>
+            <a:lvl3pPr marL="975390" indent="0" algn="ctr">
+              <a:buNone/>
+              <a:defRPr sz="1920"/>
             </a:lvl3pPr>
-            <a:lvl4pPr marL="1428796" indent="0" algn="ctr">
-              <a:buNone/>
-              <a:defRPr sz="1667"/>
+            <a:lvl4pPr marL="1463086" indent="0" algn="ctr">
+              <a:buNone/>
+              <a:defRPr sz="1707"/>
             </a:lvl4pPr>
-            <a:lvl5pPr marL="1905061" indent="0" algn="ctr">
-              <a:buNone/>
-              <a:defRPr sz="1667"/>
+            <a:lvl5pPr marL="1950781" indent="0" algn="ctr">
+              <a:buNone/>
+              <a:defRPr sz="1707"/>
             </a:lvl5pPr>
-            <a:lvl6pPr marL="2381326" indent="0" algn="ctr">
-              <a:buNone/>
-              <a:defRPr sz="1667"/>
+            <a:lvl6pPr marL="2438476" indent="0" algn="ctr">
+              <a:buNone/>
+              <a:defRPr sz="1707"/>
             </a:lvl6pPr>
-            <a:lvl7pPr marL="2857591" indent="0" algn="ctr">
-              <a:buNone/>
-              <a:defRPr sz="1667"/>
+            <a:lvl7pPr marL="2926171" indent="0" algn="ctr">
+              <a:buNone/>
+              <a:defRPr sz="1707"/>
             </a:lvl7pPr>
-            <a:lvl8pPr marL="3333857" indent="0" algn="ctr">
-              <a:buNone/>
-              <a:defRPr sz="1667"/>
+            <a:lvl8pPr marL="3413867" indent="0" algn="ctr">
+              <a:buNone/>
+              <a:defRPr sz="1707"/>
             </a:lvl8pPr>
-            <a:lvl9pPr marL="3810122" indent="0" algn="ctr">
-              <a:buNone/>
-              <a:defRPr sz="1667"/>
+            <a:lvl9pPr marL="3901562" indent="0" algn="ctr">
+              <a:buNone/>
+              <a:defRPr sz="1707"/>
             </a:lvl9pPr>
           </a:lstStyle>
           <a:p>
@@ -241,9 +236,9 @@
           <a:bodyPr/>
           <a:lstStyle/>
           <a:p>
-            <a:fld id="{D8C2C351-8907-4EF7-83B4-DA68E22409A2}" type="datetimeFigureOut">
+            <a:fld id="{73D1EE38-F321-42E3-B680-75EA23EB65A4}" type="datetimeFigureOut">
               <a:rPr lang="en-US" smtClean="0"/>
-              <a:t>11/29/2022</a:t>
+              <a:t>1/21/2023</a:t>
             </a:fld>
             <a:endParaRPr lang="en-US"/>
           </a:p>
@@ -283,7 +278,7 @@
           <a:bodyPr/>
           <a:lstStyle/>
           <a:p>
-            <a:fld id="{1FDCAC82-38CF-49F1-9993-FDCF91AD4918}" type="slidenum">
+            <a:fld id="{CBADE501-FAAC-40BC-8F2B-FF7FC0011ABF}" type="slidenum">
               <a:rPr lang="en-US" smtClean="0"/>
               <a:t>‹#›</a:t>
             </a:fld>
@@ -294,7 +289,7 @@
     </p:spTree>
     <p:extLst>
       <p:ext uri="{BB962C8B-B14F-4D97-AF65-F5344CB8AC3E}">
-        <p14:creationId xmlns:p14="http://schemas.microsoft.com/office/powerpoint/2010/main" val="2161974425"/>
+        <p14:creationId xmlns:p14="http://schemas.microsoft.com/office/powerpoint/2010/main" val="3301374333"/>
       </p:ext>
     </p:extLst>
   </p:cSld>
@@ -411,9 +406,9 @@
           <a:bodyPr/>
           <a:lstStyle/>
           <a:p>
-            <a:fld id="{D8C2C351-8907-4EF7-83B4-DA68E22409A2}" type="datetimeFigureOut">
+            <a:fld id="{73D1EE38-F321-42E3-B680-75EA23EB65A4}" type="datetimeFigureOut">
               <a:rPr lang="en-US" smtClean="0"/>
-              <a:t>11/29/2022</a:t>
+              <a:t>1/21/2023</a:t>
             </a:fld>
             <a:endParaRPr lang="en-US"/>
           </a:p>
@@ -453,7 +448,7 @@
           <a:bodyPr/>
           <a:lstStyle/>
           <a:p>
-            <a:fld id="{1FDCAC82-38CF-49F1-9993-FDCF91AD4918}" type="slidenum">
+            <a:fld id="{CBADE501-FAAC-40BC-8F2B-FF7FC0011ABF}" type="slidenum">
               <a:rPr lang="en-US" smtClean="0"/>
               <a:t>‹#›</a:t>
             </a:fld>
@@ -464,7 +459,7 @@
     </p:spTree>
     <p:extLst>
       <p:ext uri="{BB962C8B-B14F-4D97-AF65-F5344CB8AC3E}">
-        <p14:creationId xmlns:p14="http://schemas.microsoft.com/office/powerpoint/2010/main" val="655183646"/>
+        <p14:creationId xmlns:p14="http://schemas.microsoft.com/office/powerpoint/2010/main" val="3681697757"/>
       </p:ext>
     </p:extLst>
   </p:cSld>
@@ -503,8 +498,8 @@
         </p:nvSpPr>
         <p:spPr>
           <a:xfrm>
-            <a:off x="6816329" y="608542"/>
-            <a:ext cx="2053828" cy="9686397"/>
+            <a:off x="9311104" y="389467"/>
+            <a:ext cx="2805529" cy="6199294"/>
           </a:xfrm>
         </p:spPr>
         <p:txBody>
@@ -531,8 +526,8 @@
         </p:nvSpPr>
         <p:spPr>
           <a:xfrm>
-            <a:off x="654844" y="608542"/>
-            <a:ext cx="6042422" cy="9686397"/>
+            <a:off x="894517" y="389467"/>
+            <a:ext cx="8253948" cy="6199294"/>
           </a:xfrm>
         </p:spPr>
         <p:txBody>
@@ -591,9 +586,9 @@
           <a:bodyPr/>
           <a:lstStyle/>
           <a:p>
-            <a:fld id="{D8C2C351-8907-4EF7-83B4-DA68E22409A2}" type="datetimeFigureOut">
+            <a:fld id="{73D1EE38-F321-42E3-B680-75EA23EB65A4}" type="datetimeFigureOut">
               <a:rPr lang="en-US" smtClean="0"/>
-              <a:t>11/29/2022</a:t>
+              <a:t>1/21/2023</a:t>
             </a:fld>
             <a:endParaRPr lang="en-US"/>
           </a:p>
@@ -633,7 +628,7 @@
           <a:bodyPr/>
           <a:lstStyle/>
           <a:p>
-            <a:fld id="{1FDCAC82-38CF-49F1-9993-FDCF91AD4918}" type="slidenum">
+            <a:fld id="{CBADE501-FAAC-40BC-8F2B-FF7FC0011ABF}" type="slidenum">
               <a:rPr lang="en-US" smtClean="0"/>
               <a:t>‹#›</a:t>
             </a:fld>
@@ -644,7 +639,7 @@
     </p:spTree>
     <p:extLst>
       <p:ext uri="{BB962C8B-B14F-4D97-AF65-F5344CB8AC3E}">
-        <p14:creationId xmlns:p14="http://schemas.microsoft.com/office/powerpoint/2010/main" val="3846576082"/>
+        <p14:creationId xmlns:p14="http://schemas.microsoft.com/office/powerpoint/2010/main" val="589143238"/>
       </p:ext>
     </p:extLst>
   </p:cSld>
@@ -761,9 +756,9 @@
           <a:bodyPr/>
           <a:lstStyle/>
           <a:p>
-            <a:fld id="{D8C2C351-8907-4EF7-83B4-DA68E22409A2}" type="datetimeFigureOut">
+            <a:fld id="{73D1EE38-F321-42E3-B680-75EA23EB65A4}" type="datetimeFigureOut">
               <a:rPr lang="en-US" smtClean="0"/>
-              <a:t>11/29/2022</a:t>
+              <a:t>1/21/2023</a:t>
             </a:fld>
             <a:endParaRPr lang="en-US"/>
           </a:p>
@@ -803,7 +798,7 @@
           <a:bodyPr/>
           <a:lstStyle/>
           <a:p>
-            <a:fld id="{1FDCAC82-38CF-49F1-9993-FDCF91AD4918}" type="slidenum">
+            <a:fld id="{CBADE501-FAAC-40BC-8F2B-FF7FC0011ABF}" type="slidenum">
               <a:rPr lang="en-US" smtClean="0"/>
               <a:t>‹#›</a:t>
             </a:fld>
@@ -814,7 +809,7 @@
     </p:spTree>
     <p:extLst>
       <p:ext uri="{BB962C8B-B14F-4D97-AF65-F5344CB8AC3E}">
-        <p14:creationId xmlns:p14="http://schemas.microsoft.com/office/powerpoint/2010/main" val="2746790322"/>
+        <p14:creationId xmlns:p14="http://schemas.microsoft.com/office/powerpoint/2010/main" val="1349145391"/>
       </p:ext>
     </p:extLst>
   </p:cSld>
@@ -853,15 +848,15 @@
         </p:nvSpPr>
         <p:spPr>
           <a:xfrm>
-            <a:off x="649883" y="2849566"/>
-            <a:ext cx="8215313" cy="4754562"/>
+            <a:off x="887740" y="1823721"/>
+            <a:ext cx="11222117" cy="3042919"/>
           </a:xfrm>
         </p:spPr>
         <p:txBody>
           <a:bodyPr anchor="b"/>
           <a:lstStyle>
             <a:lvl1pPr>
-              <a:defRPr sz="6250"/>
+              <a:defRPr sz="6400"/>
             </a:lvl1pPr>
           </a:lstStyle>
           <a:p>
@@ -885,8 +880,8 @@
         </p:nvSpPr>
         <p:spPr>
           <a:xfrm>
-            <a:off x="649883" y="7649107"/>
-            <a:ext cx="8215313" cy="2500312"/>
+            <a:off x="887740" y="4895428"/>
+            <a:ext cx="11222117" cy="1600199"/>
           </a:xfrm>
         </p:spPr>
         <p:txBody>
@@ -894,15 +889,17 @@
           <a:lstStyle>
             <a:lvl1pPr marL="0" indent="0">
               <a:buNone/>
-              <a:defRPr sz="2500">
+              <a:defRPr sz="2560">
                 <a:solidFill>
-                  <a:schemeClr val="tx1"/>
+                  <a:schemeClr val="tx1">
+                    <a:tint val="75000"/>
+                  </a:schemeClr>
                 </a:solidFill>
               </a:defRPr>
             </a:lvl1pPr>
-            <a:lvl2pPr marL="476265" indent="0">
-              <a:buNone/>
-              <a:defRPr sz="2083">
+            <a:lvl2pPr marL="487695" indent="0">
+              <a:buNone/>
+              <a:defRPr sz="2133">
                 <a:solidFill>
                   <a:schemeClr val="tx1">
                     <a:tint val="75000"/>
@@ -910,9 +907,9 @@
                 </a:solidFill>
               </a:defRPr>
             </a:lvl2pPr>
-            <a:lvl3pPr marL="952530" indent="0">
-              <a:buNone/>
-              <a:defRPr sz="1875">
+            <a:lvl3pPr marL="975390" indent="0">
+              <a:buNone/>
+              <a:defRPr sz="1920">
                 <a:solidFill>
                   <a:schemeClr val="tx1">
                     <a:tint val="75000"/>
@@ -920,9 +917,9 @@
                 </a:solidFill>
               </a:defRPr>
             </a:lvl3pPr>
-            <a:lvl4pPr marL="1428796" indent="0">
-              <a:buNone/>
-              <a:defRPr sz="1667">
+            <a:lvl4pPr marL="1463086" indent="0">
+              <a:buNone/>
+              <a:defRPr sz="1707">
                 <a:solidFill>
                   <a:schemeClr val="tx1">
                     <a:tint val="75000"/>
@@ -930,9 +927,9 @@
                 </a:solidFill>
               </a:defRPr>
             </a:lvl4pPr>
-            <a:lvl5pPr marL="1905061" indent="0">
-              <a:buNone/>
-              <a:defRPr sz="1667">
+            <a:lvl5pPr marL="1950781" indent="0">
+              <a:buNone/>
+              <a:defRPr sz="1707">
                 <a:solidFill>
                   <a:schemeClr val="tx1">
                     <a:tint val="75000"/>
@@ -940,9 +937,9 @@
                 </a:solidFill>
               </a:defRPr>
             </a:lvl5pPr>
-            <a:lvl6pPr marL="2381326" indent="0">
-              <a:buNone/>
-              <a:defRPr sz="1667">
+            <a:lvl6pPr marL="2438476" indent="0">
+              <a:buNone/>
+              <a:defRPr sz="1707">
                 <a:solidFill>
                   <a:schemeClr val="tx1">
                     <a:tint val="75000"/>
@@ -950,9 +947,9 @@
                 </a:solidFill>
               </a:defRPr>
             </a:lvl6pPr>
-            <a:lvl7pPr marL="2857591" indent="0">
-              <a:buNone/>
-              <a:defRPr sz="1667">
+            <a:lvl7pPr marL="2926171" indent="0">
+              <a:buNone/>
+              <a:defRPr sz="1707">
                 <a:solidFill>
                   <a:schemeClr val="tx1">
                     <a:tint val="75000"/>
@@ -960,9 +957,9 @@
                 </a:solidFill>
               </a:defRPr>
             </a:lvl7pPr>
-            <a:lvl8pPr marL="3333857" indent="0">
-              <a:buNone/>
-              <a:defRPr sz="1667">
+            <a:lvl8pPr marL="3413867" indent="0">
+              <a:buNone/>
+              <a:defRPr sz="1707">
                 <a:solidFill>
                   <a:schemeClr val="tx1">
                     <a:tint val="75000"/>
@@ -970,9 +967,9 @@
                 </a:solidFill>
               </a:defRPr>
             </a:lvl8pPr>
-            <a:lvl9pPr marL="3810122" indent="0">
-              <a:buNone/>
-              <a:defRPr sz="1667">
+            <a:lvl9pPr marL="3901562" indent="0">
+              <a:buNone/>
+              <a:defRPr sz="1707">
                 <a:solidFill>
                   <a:schemeClr val="tx1">
                     <a:tint val="75000"/>
@@ -1005,9 +1002,9 @@
           <a:bodyPr/>
           <a:lstStyle/>
           <a:p>
-            <a:fld id="{D8C2C351-8907-4EF7-83B4-DA68E22409A2}" type="datetimeFigureOut">
+            <a:fld id="{73D1EE38-F321-42E3-B680-75EA23EB65A4}" type="datetimeFigureOut">
               <a:rPr lang="en-US" smtClean="0"/>
-              <a:t>11/29/2022</a:t>
+              <a:t>1/21/2023</a:t>
             </a:fld>
             <a:endParaRPr lang="en-US"/>
           </a:p>
@@ -1047,7 +1044,7 @@
           <a:bodyPr/>
           <a:lstStyle/>
           <a:p>
-            <a:fld id="{1FDCAC82-38CF-49F1-9993-FDCF91AD4918}" type="slidenum">
+            <a:fld id="{CBADE501-FAAC-40BC-8F2B-FF7FC0011ABF}" type="slidenum">
               <a:rPr lang="en-US" smtClean="0"/>
               <a:t>‹#›</a:t>
             </a:fld>
@@ -1058,7 +1055,7 @@
     </p:spTree>
     <p:extLst>
       <p:ext uri="{BB962C8B-B14F-4D97-AF65-F5344CB8AC3E}">
-        <p14:creationId xmlns:p14="http://schemas.microsoft.com/office/powerpoint/2010/main" val="1012570221"/>
+        <p14:creationId xmlns:p14="http://schemas.microsoft.com/office/powerpoint/2010/main" val="4287335964"/>
       </p:ext>
     </p:extLst>
   </p:cSld>
@@ -1120,8 +1117,8 @@
         </p:nvSpPr>
         <p:spPr>
           <a:xfrm>
-            <a:off x="654844" y="3042708"/>
-            <a:ext cx="4048125" cy="7252230"/>
+            <a:off x="894516" y="1947333"/>
+            <a:ext cx="5529739" cy="4641427"/>
           </a:xfrm>
         </p:spPr>
         <p:txBody>
@@ -1177,8 +1174,8 @@
         </p:nvSpPr>
         <p:spPr>
           <a:xfrm>
-            <a:off x="4822031" y="3042708"/>
-            <a:ext cx="4048125" cy="7252230"/>
+            <a:off x="6586895" y="1947333"/>
+            <a:ext cx="5529739" cy="4641427"/>
           </a:xfrm>
         </p:spPr>
         <p:txBody>
@@ -1237,9 +1234,9 @@
           <a:bodyPr/>
           <a:lstStyle/>
           <a:p>
-            <a:fld id="{D8C2C351-8907-4EF7-83B4-DA68E22409A2}" type="datetimeFigureOut">
+            <a:fld id="{73D1EE38-F321-42E3-B680-75EA23EB65A4}" type="datetimeFigureOut">
               <a:rPr lang="en-US" smtClean="0"/>
-              <a:t>11/29/2022</a:t>
+              <a:t>1/21/2023</a:t>
             </a:fld>
             <a:endParaRPr lang="en-US"/>
           </a:p>
@@ -1279,7 +1276,7 @@
           <a:bodyPr/>
           <a:lstStyle/>
           <a:p>
-            <a:fld id="{1FDCAC82-38CF-49F1-9993-FDCF91AD4918}" type="slidenum">
+            <a:fld id="{CBADE501-FAAC-40BC-8F2B-FF7FC0011ABF}" type="slidenum">
               <a:rPr lang="en-US" smtClean="0"/>
               <a:t>‹#›</a:t>
             </a:fld>
@@ -1290,7 +1287,7 @@
     </p:spTree>
     <p:extLst>
       <p:ext uri="{BB962C8B-B14F-4D97-AF65-F5344CB8AC3E}">
-        <p14:creationId xmlns:p14="http://schemas.microsoft.com/office/powerpoint/2010/main" val="3075671480"/>
+        <p14:creationId xmlns:p14="http://schemas.microsoft.com/office/powerpoint/2010/main" val="2241180862"/>
       </p:ext>
     </p:extLst>
   </p:cSld>
@@ -1329,8 +1326,8 @@
         </p:nvSpPr>
         <p:spPr>
           <a:xfrm>
-            <a:off x="656084" y="608544"/>
-            <a:ext cx="8215313" cy="2209272"/>
+            <a:off x="896211" y="389467"/>
+            <a:ext cx="11222117" cy="1413934"/>
           </a:xfrm>
         </p:spPr>
         <p:txBody>
@@ -1357,8 +1354,8 @@
         </p:nvSpPr>
         <p:spPr>
           <a:xfrm>
-            <a:off x="656085" y="2801938"/>
-            <a:ext cx="4029521" cy="1373187"/>
+            <a:off x="896212" y="1793241"/>
+            <a:ext cx="5504326" cy="878839"/>
           </a:xfrm>
         </p:spPr>
         <p:txBody>
@@ -1366,39 +1363,39 @@
           <a:lstStyle>
             <a:lvl1pPr marL="0" indent="0">
               <a:buNone/>
-              <a:defRPr sz="2500" b="1"/>
+              <a:defRPr sz="2560" b="1"/>
             </a:lvl1pPr>
-            <a:lvl2pPr marL="476265" indent="0">
-              <a:buNone/>
-              <a:defRPr sz="2083" b="1"/>
+            <a:lvl2pPr marL="487695" indent="0">
+              <a:buNone/>
+              <a:defRPr sz="2133" b="1"/>
             </a:lvl2pPr>
-            <a:lvl3pPr marL="952530" indent="0">
-              <a:buNone/>
-              <a:defRPr sz="1875" b="1"/>
+            <a:lvl3pPr marL="975390" indent="0">
+              <a:buNone/>
+              <a:defRPr sz="1920" b="1"/>
             </a:lvl3pPr>
-            <a:lvl4pPr marL="1428796" indent="0">
-              <a:buNone/>
-              <a:defRPr sz="1667" b="1"/>
+            <a:lvl4pPr marL="1463086" indent="0">
+              <a:buNone/>
+              <a:defRPr sz="1707" b="1"/>
             </a:lvl4pPr>
-            <a:lvl5pPr marL="1905061" indent="0">
-              <a:buNone/>
-              <a:defRPr sz="1667" b="1"/>
+            <a:lvl5pPr marL="1950781" indent="0">
+              <a:buNone/>
+              <a:defRPr sz="1707" b="1"/>
             </a:lvl5pPr>
-            <a:lvl6pPr marL="2381326" indent="0">
-              <a:buNone/>
-              <a:defRPr sz="1667" b="1"/>
+            <a:lvl6pPr marL="2438476" indent="0">
+              <a:buNone/>
+              <a:defRPr sz="1707" b="1"/>
             </a:lvl6pPr>
-            <a:lvl7pPr marL="2857591" indent="0">
-              <a:buNone/>
-              <a:defRPr sz="1667" b="1"/>
+            <a:lvl7pPr marL="2926171" indent="0">
+              <a:buNone/>
+              <a:defRPr sz="1707" b="1"/>
             </a:lvl7pPr>
-            <a:lvl8pPr marL="3333857" indent="0">
-              <a:buNone/>
-              <a:defRPr sz="1667" b="1"/>
+            <a:lvl8pPr marL="3413867" indent="0">
+              <a:buNone/>
+              <a:defRPr sz="1707" b="1"/>
             </a:lvl8pPr>
-            <a:lvl9pPr marL="3810122" indent="0">
-              <a:buNone/>
-              <a:defRPr sz="1667" b="1"/>
+            <a:lvl9pPr marL="3901562" indent="0">
+              <a:buNone/>
+              <a:defRPr sz="1707" b="1"/>
             </a:lvl9pPr>
           </a:lstStyle>
           <a:p>
@@ -1422,8 +1419,8 @@
         </p:nvSpPr>
         <p:spPr>
           <a:xfrm>
-            <a:off x="656085" y="4175125"/>
-            <a:ext cx="4029521" cy="6140980"/>
+            <a:off x="896212" y="2672080"/>
+            <a:ext cx="5504326" cy="3930227"/>
           </a:xfrm>
         </p:spPr>
         <p:txBody>
@@ -1479,8 +1476,8 @@
         </p:nvSpPr>
         <p:spPr>
           <a:xfrm>
-            <a:off x="4822032" y="2801938"/>
-            <a:ext cx="4049366" cy="1373187"/>
+            <a:off x="6586895" y="1793241"/>
+            <a:ext cx="5531433" cy="878839"/>
           </a:xfrm>
         </p:spPr>
         <p:txBody>
@@ -1488,39 +1485,39 @@
           <a:lstStyle>
             <a:lvl1pPr marL="0" indent="0">
               <a:buNone/>
-              <a:defRPr sz="2500" b="1"/>
+              <a:defRPr sz="2560" b="1"/>
             </a:lvl1pPr>
-            <a:lvl2pPr marL="476265" indent="0">
-              <a:buNone/>
-              <a:defRPr sz="2083" b="1"/>
+            <a:lvl2pPr marL="487695" indent="0">
+              <a:buNone/>
+              <a:defRPr sz="2133" b="1"/>
             </a:lvl2pPr>
-            <a:lvl3pPr marL="952530" indent="0">
-              <a:buNone/>
-              <a:defRPr sz="1875" b="1"/>
+            <a:lvl3pPr marL="975390" indent="0">
+              <a:buNone/>
+              <a:defRPr sz="1920" b="1"/>
             </a:lvl3pPr>
-            <a:lvl4pPr marL="1428796" indent="0">
-              <a:buNone/>
-              <a:defRPr sz="1667" b="1"/>
+            <a:lvl4pPr marL="1463086" indent="0">
+              <a:buNone/>
+              <a:defRPr sz="1707" b="1"/>
             </a:lvl4pPr>
-            <a:lvl5pPr marL="1905061" indent="0">
-              <a:buNone/>
-              <a:defRPr sz="1667" b="1"/>
+            <a:lvl5pPr marL="1950781" indent="0">
+              <a:buNone/>
+              <a:defRPr sz="1707" b="1"/>
             </a:lvl5pPr>
-            <a:lvl6pPr marL="2381326" indent="0">
-              <a:buNone/>
-              <a:defRPr sz="1667" b="1"/>
+            <a:lvl6pPr marL="2438476" indent="0">
+              <a:buNone/>
+              <a:defRPr sz="1707" b="1"/>
             </a:lvl6pPr>
-            <a:lvl7pPr marL="2857591" indent="0">
-              <a:buNone/>
-              <a:defRPr sz="1667" b="1"/>
+            <a:lvl7pPr marL="2926171" indent="0">
+              <a:buNone/>
+              <a:defRPr sz="1707" b="1"/>
             </a:lvl7pPr>
-            <a:lvl8pPr marL="3333857" indent="0">
-              <a:buNone/>
-              <a:defRPr sz="1667" b="1"/>
+            <a:lvl8pPr marL="3413867" indent="0">
+              <a:buNone/>
+              <a:defRPr sz="1707" b="1"/>
             </a:lvl8pPr>
-            <a:lvl9pPr marL="3810122" indent="0">
-              <a:buNone/>
-              <a:defRPr sz="1667" b="1"/>
+            <a:lvl9pPr marL="3901562" indent="0">
+              <a:buNone/>
+              <a:defRPr sz="1707" b="1"/>
             </a:lvl9pPr>
           </a:lstStyle>
           <a:p>
@@ -1544,8 +1541,8 @@
         </p:nvSpPr>
         <p:spPr>
           <a:xfrm>
-            <a:off x="4822032" y="4175125"/>
-            <a:ext cx="4049366" cy="6140980"/>
+            <a:off x="6586895" y="2672080"/>
+            <a:ext cx="5531433" cy="3930227"/>
           </a:xfrm>
         </p:spPr>
         <p:txBody>
@@ -1604,9 +1601,9 @@
           <a:bodyPr/>
           <a:lstStyle/>
           <a:p>
-            <a:fld id="{D8C2C351-8907-4EF7-83B4-DA68E22409A2}" type="datetimeFigureOut">
+            <a:fld id="{73D1EE38-F321-42E3-B680-75EA23EB65A4}" type="datetimeFigureOut">
               <a:rPr lang="en-US" smtClean="0"/>
-              <a:t>11/29/2022</a:t>
+              <a:t>1/21/2023</a:t>
             </a:fld>
             <a:endParaRPr lang="en-US"/>
           </a:p>
@@ -1646,7 +1643,7 @@
           <a:bodyPr/>
           <a:lstStyle/>
           <a:p>
-            <a:fld id="{1FDCAC82-38CF-49F1-9993-FDCF91AD4918}" type="slidenum">
+            <a:fld id="{CBADE501-FAAC-40BC-8F2B-FF7FC0011ABF}" type="slidenum">
               <a:rPr lang="en-US" smtClean="0"/>
               <a:t>‹#›</a:t>
             </a:fld>
@@ -1657,7 +1654,7 @@
     </p:spTree>
     <p:extLst>
       <p:ext uri="{BB962C8B-B14F-4D97-AF65-F5344CB8AC3E}">
-        <p14:creationId xmlns:p14="http://schemas.microsoft.com/office/powerpoint/2010/main" val="2949654915"/>
+        <p14:creationId xmlns:p14="http://schemas.microsoft.com/office/powerpoint/2010/main" val="1165816050"/>
       </p:ext>
     </p:extLst>
   </p:cSld>
@@ -1722,9 +1719,9 @@
           <a:bodyPr/>
           <a:lstStyle/>
           <a:p>
-            <a:fld id="{D8C2C351-8907-4EF7-83B4-DA68E22409A2}" type="datetimeFigureOut">
+            <a:fld id="{73D1EE38-F321-42E3-B680-75EA23EB65A4}" type="datetimeFigureOut">
               <a:rPr lang="en-US" smtClean="0"/>
-              <a:t>11/29/2022</a:t>
+              <a:t>1/21/2023</a:t>
             </a:fld>
             <a:endParaRPr lang="en-US"/>
           </a:p>
@@ -1764,7 +1761,7 @@
           <a:bodyPr/>
           <a:lstStyle/>
           <a:p>
-            <a:fld id="{1FDCAC82-38CF-49F1-9993-FDCF91AD4918}" type="slidenum">
+            <a:fld id="{CBADE501-FAAC-40BC-8F2B-FF7FC0011ABF}" type="slidenum">
               <a:rPr lang="en-US" smtClean="0"/>
               <a:t>‹#›</a:t>
             </a:fld>
@@ -1775,7 +1772,7 @@
     </p:spTree>
     <p:extLst>
       <p:ext uri="{BB962C8B-B14F-4D97-AF65-F5344CB8AC3E}">
-        <p14:creationId xmlns:p14="http://schemas.microsoft.com/office/powerpoint/2010/main" val="4124116730"/>
+        <p14:creationId xmlns:p14="http://schemas.microsoft.com/office/powerpoint/2010/main" val="1180196881"/>
       </p:ext>
     </p:extLst>
   </p:cSld>
@@ -1817,9 +1814,9 @@
           <a:bodyPr/>
           <a:lstStyle/>
           <a:p>
-            <a:fld id="{D8C2C351-8907-4EF7-83B4-DA68E22409A2}" type="datetimeFigureOut">
+            <a:fld id="{73D1EE38-F321-42E3-B680-75EA23EB65A4}" type="datetimeFigureOut">
               <a:rPr lang="en-US" smtClean="0"/>
-              <a:t>11/29/2022</a:t>
+              <a:t>1/21/2023</a:t>
             </a:fld>
             <a:endParaRPr lang="en-US"/>
           </a:p>
@@ -1859,7 +1856,7 @@
           <a:bodyPr/>
           <a:lstStyle/>
           <a:p>
-            <a:fld id="{1FDCAC82-38CF-49F1-9993-FDCF91AD4918}" type="slidenum">
+            <a:fld id="{CBADE501-FAAC-40BC-8F2B-FF7FC0011ABF}" type="slidenum">
               <a:rPr lang="en-US" smtClean="0"/>
               <a:t>‹#›</a:t>
             </a:fld>
@@ -1870,7 +1867,7 @@
     </p:spTree>
     <p:extLst>
       <p:ext uri="{BB962C8B-B14F-4D97-AF65-F5344CB8AC3E}">
-        <p14:creationId xmlns:p14="http://schemas.microsoft.com/office/powerpoint/2010/main" val="2551275657"/>
+        <p14:creationId xmlns:p14="http://schemas.microsoft.com/office/powerpoint/2010/main" val="3120418884"/>
       </p:ext>
     </p:extLst>
   </p:cSld>
@@ -1909,15 +1906,15 @@
         </p:nvSpPr>
         <p:spPr>
           <a:xfrm>
-            <a:off x="656085" y="762000"/>
-            <a:ext cx="3072060" cy="2667000"/>
+            <a:off x="896212" y="487680"/>
+            <a:ext cx="4196434" cy="1706880"/>
           </a:xfrm>
         </p:spPr>
         <p:txBody>
           <a:bodyPr anchor="b"/>
           <a:lstStyle>
             <a:lvl1pPr>
-              <a:defRPr sz="3333"/>
+              <a:defRPr sz="3413"/>
             </a:lvl1pPr>
           </a:lstStyle>
           <a:p>
@@ -1941,39 +1938,39 @@
         </p:nvSpPr>
         <p:spPr>
           <a:xfrm>
-            <a:off x="4049366" y="1645711"/>
-            <a:ext cx="4822031" cy="8122708"/>
+            <a:off x="5531433" y="1053254"/>
+            <a:ext cx="6586895" cy="5198533"/>
           </a:xfrm>
         </p:spPr>
         <p:txBody>
           <a:bodyPr/>
           <a:lstStyle>
             <a:lvl1pPr>
-              <a:defRPr sz="3333"/>
+              <a:defRPr sz="3413"/>
             </a:lvl1pPr>
             <a:lvl2pPr>
-              <a:defRPr sz="2917"/>
+              <a:defRPr sz="2987"/>
             </a:lvl2pPr>
             <a:lvl3pPr>
-              <a:defRPr sz="2500"/>
+              <a:defRPr sz="2560"/>
             </a:lvl3pPr>
             <a:lvl4pPr>
-              <a:defRPr sz="2083"/>
+              <a:defRPr sz="2133"/>
             </a:lvl4pPr>
             <a:lvl5pPr>
-              <a:defRPr sz="2083"/>
+              <a:defRPr sz="2133"/>
             </a:lvl5pPr>
             <a:lvl6pPr>
-              <a:defRPr sz="2083"/>
+              <a:defRPr sz="2133"/>
             </a:lvl6pPr>
             <a:lvl7pPr>
-              <a:defRPr sz="2083"/>
+              <a:defRPr sz="2133"/>
             </a:lvl7pPr>
             <a:lvl8pPr>
-              <a:defRPr sz="2083"/>
+              <a:defRPr sz="2133"/>
             </a:lvl8pPr>
             <a:lvl9pPr>
-              <a:defRPr sz="2083"/>
+              <a:defRPr sz="2133"/>
             </a:lvl9pPr>
           </a:lstStyle>
           <a:p>
@@ -2026,8 +2023,8 @@
         </p:nvSpPr>
         <p:spPr>
           <a:xfrm>
-            <a:off x="656085" y="3429000"/>
-            <a:ext cx="3072060" cy="6352647"/>
+            <a:off x="896212" y="2194560"/>
+            <a:ext cx="4196434" cy="4065694"/>
           </a:xfrm>
         </p:spPr>
         <p:txBody>
@@ -2035,39 +2032,39 @@
           <a:lstStyle>
             <a:lvl1pPr marL="0" indent="0">
               <a:buNone/>
-              <a:defRPr sz="1667"/>
+              <a:defRPr sz="1707"/>
             </a:lvl1pPr>
-            <a:lvl2pPr marL="476265" indent="0">
-              <a:buNone/>
-              <a:defRPr sz="1458"/>
+            <a:lvl2pPr marL="487695" indent="0">
+              <a:buNone/>
+              <a:defRPr sz="1493"/>
             </a:lvl2pPr>
-            <a:lvl3pPr marL="952530" indent="0">
-              <a:buNone/>
-              <a:defRPr sz="1250"/>
+            <a:lvl3pPr marL="975390" indent="0">
+              <a:buNone/>
+              <a:defRPr sz="1280"/>
             </a:lvl3pPr>
-            <a:lvl4pPr marL="1428796" indent="0">
-              <a:buNone/>
-              <a:defRPr sz="1042"/>
+            <a:lvl4pPr marL="1463086" indent="0">
+              <a:buNone/>
+              <a:defRPr sz="1067"/>
             </a:lvl4pPr>
-            <a:lvl5pPr marL="1905061" indent="0">
-              <a:buNone/>
-              <a:defRPr sz="1042"/>
+            <a:lvl5pPr marL="1950781" indent="0">
+              <a:buNone/>
+              <a:defRPr sz="1067"/>
             </a:lvl5pPr>
-            <a:lvl6pPr marL="2381326" indent="0">
-              <a:buNone/>
-              <a:defRPr sz="1042"/>
+            <a:lvl6pPr marL="2438476" indent="0">
+              <a:buNone/>
+              <a:defRPr sz="1067"/>
             </a:lvl6pPr>
-            <a:lvl7pPr marL="2857591" indent="0">
-              <a:buNone/>
-              <a:defRPr sz="1042"/>
+            <a:lvl7pPr marL="2926171" indent="0">
+              <a:buNone/>
+              <a:defRPr sz="1067"/>
             </a:lvl7pPr>
-            <a:lvl8pPr marL="3333857" indent="0">
-              <a:buNone/>
-              <a:defRPr sz="1042"/>
+            <a:lvl8pPr marL="3413867" indent="0">
+              <a:buNone/>
+              <a:defRPr sz="1067"/>
             </a:lvl8pPr>
-            <a:lvl9pPr marL="3810122" indent="0">
-              <a:buNone/>
-              <a:defRPr sz="1042"/>
+            <a:lvl9pPr marL="3901562" indent="0">
+              <a:buNone/>
+              <a:defRPr sz="1067"/>
             </a:lvl9pPr>
           </a:lstStyle>
           <a:p>
@@ -2094,9 +2091,9 @@
           <a:bodyPr/>
           <a:lstStyle/>
           <a:p>
-            <a:fld id="{D8C2C351-8907-4EF7-83B4-DA68E22409A2}" type="datetimeFigureOut">
+            <a:fld id="{73D1EE38-F321-42E3-B680-75EA23EB65A4}" type="datetimeFigureOut">
               <a:rPr lang="en-US" smtClean="0"/>
-              <a:t>11/29/2022</a:t>
+              <a:t>1/21/2023</a:t>
             </a:fld>
             <a:endParaRPr lang="en-US"/>
           </a:p>
@@ -2136,7 +2133,7 @@
           <a:bodyPr/>
           <a:lstStyle/>
           <a:p>
-            <a:fld id="{1FDCAC82-38CF-49F1-9993-FDCF91AD4918}" type="slidenum">
+            <a:fld id="{CBADE501-FAAC-40BC-8F2B-FF7FC0011ABF}" type="slidenum">
               <a:rPr lang="en-US" smtClean="0"/>
               <a:t>‹#›</a:t>
             </a:fld>
@@ -2147,7 +2144,7 @@
     </p:spTree>
     <p:extLst>
       <p:ext uri="{BB962C8B-B14F-4D97-AF65-F5344CB8AC3E}">
-        <p14:creationId xmlns:p14="http://schemas.microsoft.com/office/powerpoint/2010/main" val="3188519415"/>
+        <p14:creationId xmlns:p14="http://schemas.microsoft.com/office/powerpoint/2010/main" val="2275224364"/>
       </p:ext>
     </p:extLst>
   </p:cSld>
@@ -2186,15 +2183,15 @@
         </p:nvSpPr>
         <p:spPr>
           <a:xfrm>
-            <a:off x="656085" y="762000"/>
-            <a:ext cx="3072060" cy="2667000"/>
+            <a:off x="896212" y="487680"/>
+            <a:ext cx="4196434" cy="1706880"/>
           </a:xfrm>
         </p:spPr>
         <p:txBody>
           <a:bodyPr anchor="b"/>
           <a:lstStyle>
             <a:lvl1pPr>
-              <a:defRPr sz="3333"/>
+              <a:defRPr sz="3413"/>
             </a:lvl1pPr>
           </a:lstStyle>
           <a:p>
@@ -2218,8 +2215,8 @@
         </p:nvSpPr>
         <p:spPr>
           <a:xfrm>
-            <a:off x="4049366" y="1645711"/>
-            <a:ext cx="4822031" cy="8122708"/>
+            <a:off x="5531433" y="1053254"/>
+            <a:ext cx="6586895" cy="5198533"/>
           </a:xfrm>
         </p:spPr>
         <p:txBody>
@@ -2227,39 +2224,39 @@
           <a:lstStyle>
             <a:lvl1pPr marL="0" indent="0">
               <a:buNone/>
-              <a:defRPr sz="3333"/>
+              <a:defRPr sz="3413"/>
             </a:lvl1pPr>
-            <a:lvl2pPr marL="476265" indent="0">
-              <a:buNone/>
-              <a:defRPr sz="2917"/>
+            <a:lvl2pPr marL="487695" indent="0">
+              <a:buNone/>
+              <a:defRPr sz="2987"/>
             </a:lvl2pPr>
-            <a:lvl3pPr marL="952530" indent="0">
-              <a:buNone/>
-              <a:defRPr sz="2500"/>
+            <a:lvl3pPr marL="975390" indent="0">
+              <a:buNone/>
+              <a:defRPr sz="2560"/>
             </a:lvl3pPr>
-            <a:lvl4pPr marL="1428796" indent="0">
-              <a:buNone/>
-              <a:defRPr sz="2083"/>
+            <a:lvl4pPr marL="1463086" indent="0">
+              <a:buNone/>
+              <a:defRPr sz="2133"/>
             </a:lvl4pPr>
-            <a:lvl5pPr marL="1905061" indent="0">
-              <a:buNone/>
-              <a:defRPr sz="2083"/>
+            <a:lvl5pPr marL="1950781" indent="0">
+              <a:buNone/>
+              <a:defRPr sz="2133"/>
             </a:lvl5pPr>
-            <a:lvl6pPr marL="2381326" indent="0">
-              <a:buNone/>
-              <a:defRPr sz="2083"/>
+            <a:lvl6pPr marL="2438476" indent="0">
+              <a:buNone/>
+              <a:defRPr sz="2133"/>
             </a:lvl6pPr>
-            <a:lvl7pPr marL="2857591" indent="0">
-              <a:buNone/>
-              <a:defRPr sz="2083"/>
+            <a:lvl7pPr marL="2926171" indent="0">
+              <a:buNone/>
+              <a:defRPr sz="2133"/>
             </a:lvl7pPr>
-            <a:lvl8pPr marL="3333857" indent="0">
-              <a:buNone/>
-              <a:defRPr sz="2083"/>
+            <a:lvl8pPr marL="3413867" indent="0">
+              <a:buNone/>
+              <a:defRPr sz="2133"/>
             </a:lvl8pPr>
-            <a:lvl9pPr marL="3810122" indent="0">
-              <a:buNone/>
-              <a:defRPr sz="2083"/>
+            <a:lvl9pPr marL="3901562" indent="0">
+              <a:buNone/>
+              <a:defRPr sz="2133"/>
             </a:lvl9pPr>
           </a:lstStyle>
           <a:p>
@@ -2283,8 +2280,8 @@
         </p:nvSpPr>
         <p:spPr>
           <a:xfrm>
-            <a:off x="656085" y="3429000"/>
-            <a:ext cx="3072060" cy="6352647"/>
+            <a:off x="896212" y="2194560"/>
+            <a:ext cx="4196434" cy="4065694"/>
           </a:xfrm>
         </p:spPr>
         <p:txBody>
@@ -2292,39 +2289,39 @@
           <a:lstStyle>
             <a:lvl1pPr marL="0" indent="0">
               <a:buNone/>
-              <a:defRPr sz="1667"/>
+              <a:defRPr sz="1707"/>
             </a:lvl1pPr>
-            <a:lvl2pPr marL="476265" indent="0">
-              <a:buNone/>
-              <a:defRPr sz="1458"/>
+            <a:lvl2pPr marL="487695" indent="0">
+              <a:buNone/>
+              <a:defRPr sz="1493"/>
             </a:lvl2pPr>
-            <a:lvl3pPr marL="952530" indent="0">
-              <a:buNone/>
-              <a:defRPr sz="1250"/>
+            <a:lvl3pPr marL="975390" indent="0">
+              <a:buNone/>
+              <a:defRPr sz="1280"/>
             </a:lvl3pPr>
-            <a:lvl4pPr marL="1428796" indent="0">
-              <a:buNone/>
-              <a:defRPr sz="1042"/>
+            <a:lvl4pPr marL="1463086" indent="0">
+              <a:buNone/>
+              <a:defRPr sz="1067"/>
             </a:lvl4pPr>
-            <a:lvl5pPr marL="1905061" indent="0">
-              <a:buNone/>
-              <a:defRPr sz="1042"/>
+            <a:lvl5pPr marL="1950781" indent="0">
+              <a:buNone/>
+              <a:defRPr sz="1067"/>
             </a:lvl5pPr>
-            <a:lvl6pPr marL="2381326" indent="0">
-              <a:buNone/>
-              <a:defRPr sz="1042"/>
+            <a:lvl6pPr marL="2438476" indent="0">
+              <a:buNone/>
+              <a:defRPr sz="1067"/>
             </a:lvl6pPr>
-            <a:lvl7pPr marL="2857591" indent="0">
-              <a:buNone/>
-              <a:defRPr sz="1042"/>
+            <a:lvl7pPr marL="2926171" indent="0">
+              <a:buNone/>
+              <a:defRPr sz="1067"/>
             </a:lvl7pPr>
-            <a:lvl8pPr marL="3333857" indent="0">
-              <a:buNone/>
-              <a:defRPr sz="1042"/>
+            <a:lvl8pPr marL="3413867" indent="0">
+              <a:buNone/>
+              <a:defRPr sz="1067"/>
             </a:lvl8pPr>
-            <a:lvl9pPr marL="3810122" indent="0">
-              <a:buNone/>
-              <a:defRPr sz="1042"/>
+            <a:lvl9pPr marL="3901562" indent="0">
+              <a:buNone/>
+              <a:defRPr sz="1067"/>
             </a:lvl9pPr>
           </a:lstStyle>
           <a:p>
@@ -2351,9 +2348,9 @@
           <a:bodyPr/>
           <a:lstStyle/>
           <a:p>
-            <a:fld id="{D8C2C351-8907-4EF7-83B4-DA68E22409A2}" type="datetimeFigureOut">
+            <a:fld id="{73D1EE38-F321-42E3-B680-75EA23EB65A4}" type="datetimeFigureOut">
               <a:rPr lang="en-US" smtClean="0"/>
-              <a:t>11/29/2022</a:t>
+              <a:t>1/21/2023</a:t>
             </a:fld>
             <a:endParaRPr lang="en-US"/>
           </a:p>
@@ -2393,7 +2390,7 @@
           <a:bodyPr/>
           <a:lstStyle/>
           <a:p>
-            <a:fld id="{1FDCAC82-38CF-49F1-9993-FDCF91AD4918}" type="slidenum">
+            <a:fld id="{CBADE501-FAAC-40BC-8F2B-FF7FC0011ABF}" type="slidenum">
               <a:rPr lang="en-US" smtClean="0"/>
               <a:t>‹#›</a:t>
             </a:fld>
@@ -2404,7 +2401,7 @@
     </p:spTree>
     <p:extLst>
       <p:ext uri="{BB962C8B-B14F-4D97-AF65-F5344CB8AC3E}">
-        <p14:creationId xmlns:p14="http://schemas.microsoft.com/office/powerpoint/2010/main" val="3765352774"/>
+        <p14:creationId xmlns:p14="http://schemas.microsoft.com/office/powerpoint/2010/main" val="2502037543"/>
       </p:ext>
     </p:extLst>
   </p:cSld>
@@ -2448,8 +2445,8 @@
         </p:nvSpPr>
         <p:spPr>
           <a:xfrm>
-            <a:off x="654844" y="608544"/>
-            <a:ext cx="8215313" cy="2209272"/>
+            <a:off x="894517" y="389467"/>
+            <a:ext cx="11222117" cy="1413934"/>
           </a:xfrm>
           <a:prstGeom prst="rect">
             <a:avLst/>
@@ -2481,8 +2478,8 @@
         </p:nvSpPr>
         <p:spPr>
           <a:xfrm>
-            <a:off x="654844" y="3042708"/>
-            <a:ext cx="8215313" cy="7252230"/>
+            <a:off x="894517" y="1947333"/>
+            <a:ext cx="11222117" cy="4641427"/>
           </a:xfrm>
           <a:prstGeom prst="rect">
             <a:avLst/>
@@ -2543,8 +2540,8 @@
         </p:nvSpPr>
         <p:spPr>
           <a:xfrm>
-            <a:off x="654844" y="10593919"/>
-            <a:ext cx="2143125" cy="608542"/>
+            <a:off x="894516" y="6780107"/>
+            <a:ext cx="2927509" cy="389467"/>
           </a:xfrm>
           <a:prstGeom prst="rect">
             <a:avLst/>
@@ -2554,7 +2551,7 @@
           <a:bodyPr vert="horz" lIns="91440" tIns="45720" rIns="91440" bIns="45720" rtlCol="0" anchor="ctr"/>
           <a:lstStyle>
             <a:lvl1pPr algn="l">
-              <a:defRPr sz="1250">
+              <a:defRPr sz="1280">
                 <a:solidFill>
                   <a:schemeClr val="tx1">
                     <a:tint val="75000"/>
@@ -2564,9 +2561,9 @@
             </a:lvl1pPr>
           </a:lstStyle>
           <a:p>
-            <a:fld id="{D8C2C351-8907-4EF7-83B4-DA68E22409A2}" type="datetimeFigureOut">
+            <a:fld id="{73D1EE38-F321-42E3-B680-75EA23EB65A4}" type="datetimeFigureOut">
               <a:rPr lang="en-US" smtClean="0"/>
-              <a:t>11/29/2022</a:t>
+              <a:t>1/21/2023</a:t>
             </a:fld>
             <a:endParaRPr lang="en-US"/>
           </a:p>
@@ -2584,8 +2581,8 @@
         </p:nvSpPr>
         <p:spPr>
           <a:xfrm>
-            <a:off x="3155156" y="10593919"/>
-            <a:ext cx="3214688" cy="608542"/>
+            <a:off x="4309944" y="6780107"/>
+            <a:ext cx="4391263" cy="389467"/>
           </a:xfrm>
           <a:prstGeom prst="rect">
             <a:avLst/>
@@ -2595,7 +2592,7 @@
           <a:bodyPr vert="horz" lIns="91440" tIns="45720" rIns="91440" bIns="45720" rtlCol="0" anchor="ctr"/>
           <a:lstStyle>
             <a:lvl1pPr algn="ctr">
-              <a:defRPr sz="1250">
+              <a:defRPr sz="1280">
                 <a:solidFill>
                   <a:schemeClr val="tx1">
                     <a:tint val="75000"/>
@@ -2621,8 +2618,8 @@
         </p:nvSpPr>
         <p:spPr>
           <a:xfrm>
-            <a:off x="6727031" y="10593919"/>
-            <a:ext cx="2143125" cy="608542"/>
+            <a:off x="9189125" y="6780107"/>
+            <a:ext cx="2927509" cy="389467"/>
           </a:xfrm>
           <a:prstGeom prst="rect">
             <a:avLst/>
@@ -2632,7 +2629,7 @@
           <a:bodyPr vert="horz" lIns="91440" tIns="45720" rIns="91440" bIns="45720" rtlCol="0" anchor="ctr"/>
           <a:lstStyle>
             <a:lvl1pPr algn="r">
-              <a:defRPr sz="1250">
+              <a:defRPr sz="1280">
                 <a:solidFill>
                   <a:schemeClr val="tx1">
                     <a:tint val="75000"/>
@@ -2642,7 +2639,7 @@
             </a:lvl1pPr>
           </a:lstStyle>
           <a:p>
-            <a:fld id="{1FDCAC82-38CF-49F1-9993-FDCF91AD4918}" type="slidenum">
+            <a:fld id="{CBADE501-FAAC-40BC-8F2B-FF7FC0011ABF}" type="slidenum">
               <a:rPr lang="en-US" smtClean="0"/>
               <a:t>‹#›</a:t>
             </a:fld>
@@ -2653,7 +2650,7 @@
     </p:spTree>
     <p:extLst>
       <p:ext uri="{BB962C8B-B14F-4D97-AF65-F5344CB8AC3E}">
-        <p14:creationId xmlns:p14="http://schemas.microsoft.com/office/powerpoint/2010/main" val="3346401827"/>
+        <p14:creationId xmlns:p14="http://schemas.microsoft.com/office/powerpoint/2010/main" val="3136379915"/>
       </p:ext>
     </p:extLst>
   </p:cSld>
@@ -2673,7 +2670,7 @@
   </p:sldLayoutIdLst>
   <p:txStyles>
     <p:titleStyle>
-      <a:lvl1pPr algn="l" defTabSz="952530" rtl="0" eaLnBrk="1" latinLnBrk="0" hangingPunct="1">
+      <a:lvl1pPr algn="l" defTabSz="975390" rtl="0" eaLnBrk="1" latinLnBrk="0" hangingPunct="1">
         <a:lnSpc>
           <a:spcPct val="90000"/>
         </a:lnSpc>
@@ -2681,7 +2678,7 @@
           <a:spcPct val="0"/>
         </a:spcBef>
         <a:buNone/>
-        <a:defRPr sz="4583" kern="1200">
+        <a:defRPr sz="4693" kern="1200">
           <a:solidFill>
             <a:schemeClr val="tx1"/>
           </a:solidFill>
@@ -2692,16 +2689,16 @@
       </a:lvl1pPr>
     </p:titleStyle>
     <p:bodyStyle>
-      <a:lvl1pPr marL="238133" indent="-238133" algn="l" defTabSz="952530" rtl="0" eaLnBrk="1" latinLnBrk="0" hangingPunct="1">
+      <a:lvl1pPr marL="243848" indent="-243848" algn="l" defTabSz="975390" rtl="0" eaLnBrk="1" latinLnBrk="0" hangingPunct="1">
         <a:lnSpc>
           <a:spcPct val="90000"/>
         </a:lnSpc>
         <a:spcBef>
-          <a:spcPts val="1042"/>
+          <a:spcPts val="1067"/>
         </a:spcBef>
         <a:buFont typeface="Arial" panose="020B0604020202020204" pitchFamily="34" charset="0"/>
         <a:buChar char="•"/>
-        <a:defRPr sz="2917" kern="1200">
+        <a:defRPr sz="2987" kern="1200">
           <a:solidFill>
             <a:schemeClr val="tx1"/>
           </a:solidFill>
@@ -2710,16 +2707,16 @@
           <a:cs typeface="+mn-cs"/>
         </a:defRPr>
       </a:lvl1pPr>
-      <a:lvl2pPr marL="714398" indent="-238133" algn="l" defTabSz="952530" rtl="0" eaLnBrk="1" latinLnBrk="0" hangingPunct="1">
+      <a:lvl2pPr marL="731543" indent="-243848" algn="l" defTabSz="975390" rtl="0" eaLnBrk="1" latinLnBrk="0" hangingPunct="1">
         <a:lnSpc>
           <a:spcPct val="90000"/>
         </a:lnSpc>
         <a:spcBef>
-          <a:spcPts val="521"/>
+          <a:spcPts val="533"/>
         </a:spcBef>
         <a:buFont typeface="Arial" panose="020B0604020202020204" pitchFamily="34" charset="0"/>
         <a:buChar char="•"/>
-        <a:defRPr sz="2500" kern="1200">
+        <a:defRPr sz="2560" kern="1200">
           <a:solidFill>
             <a:schemeClr val="tx1"/>
           </a:solidFill>
@@ -2728,16 +2725,16 @@
           <a:cs typeface="+mn-cs"/>
         </a:defRPr>
       </a:lvl2pPr>
-      <a:lvl3pPr marL="1190663" indent="-238133" algn="l" defTabSz="952530" rtl="0" eaLnBrk="1" latinLnBrk="0" hangingPunct="1">
+      <a:lvl3pPr marL="1219238" indent="-243848" algn="l" defTabSz="975390" rtl="0" eaLnBrk="1" latinLnBrk="0" hangingPunct="1">
         <a:lnSpc>
           <a:spcPct val="90000"/>
         </a:lnSpc>
         <a:spcBef>
-          <a:spcPts val="521"/>
+          <a:spcPts val="533"/>
         </a:spcBef>
         <a:buFont typeface="Arial" panose="020B0604020202020204" pitchFamily="34" charset="0"/>
         <a:buChar char="•"/>
-        <a:defRPr sz="2083" kern="1200">
+        <a:defRPr sz="2133" kern="1200">
           <a:solidFill>
             <a:schemeClr val="tx1"/>
           </a:solidFill>
@@ -2746,16 +2743,16 @@
           <a:cs typeface="+mn-cs"/>
         </a:defRPr>
       </a:lvl3pPr>
-      <a:lvl4pPr marL="1666928" indent="-238133" algn="l" defTabSz="952530" rtl="0" eaLnBrk="1" latinLnBrk="0" hangingPunct="1">
+      <a:lvl4pPr marL="1706933" indent="-243848" algn="l" defTabSz="975390" rtl="0" eaLnBrk="1" latinLnBrk="0" hangingPunct="1">
         <a:lnSpc>
           <a:spcPct val="90000"/>
         </a:lnSpc>
         <a:spcBef>
-          <a:spcPts val="521"/>
+          <a:spcPts val="533"/>
         </a:spcBef>
         <a:buFont typeface="Arial" panose="020B0604020202020204" pitchFamily="34" charset="0"/>
         <a:buChar char="•"/>
-        <a:defRPr sz="1875" kern="1200">
+        <a:defRPr sz="1920" kern="1200">
           <a:solidFill>
             <a:schemeClr val="tx1"/>
           </a:solidFill>
@@ -2764,16 +2761,16 @@
           <a:cs typeface="+mn-cs"/>
         </a:defRPr>
       </a:lvl4pPr>
-      <a:lvl5pPr marL="2143194" indent="-238133" algn="l" defTabSz="952530" rtl="0" eaLnBrk="1" latinLnBrk="0" hangingPunct="1">
+      <a:lvl5pPr marL="2194629" indent="-243848" algn="l" defTabSz="975390" rtl="0" eaLnBrk="1" latinLnBrk="0" hangingPunct="1">
         <a:lnSpc>
           <a:spcPct val="90000"/>
         </a:lnSpc>
         <a:spcBef>
-          <a:spcPts val="521"/>
+          <a:spcPts val="533"/>
         </a:spcBef>
         <a:buFont typeface="Arial" panose="020B0604020202020204" pitchFamily="34" charset="0"/>
         <a:buChar char="•"/>
-        <a:defRPr sz="1875" kern="1200">
+        <a:defRPr sz="1920" kern="1200">
           <a:solidFill>
             <a:schemeClr val="tx1"/>
           </a:solidFill>
@@ -2782,16 +2779,16 @@
           <a:cs typeface="+mn-cs"/>
         </a:defRPr>
       </a:lvl5pPr>
-      <a:lvl6pPr marL="2619459" indent="-238133" algn="l" defTabSz="952530" rtl="0" eaLnBrk="1" latinLnBrk="0" hangingPunct="1">
+      <a:lvl6pPr marL="2682324" indent="-243848" algn="l" defTabSz="975390" rtl="0" eaLnBrk="1" latinLnBrk="0" hangingPunct="1">
         <a:lnSpc>
           <a:spcPct val="90000"/>
         </a:lnSpc>
         <a:spcBef>
-          <a:spcPts val="521"/>
+          <a:spcPts val="533"/>
         </a:spcBef>
         <a:buFont typeface="Arial" panose="020B0604020202020204" pitchFamily="34" charset="0"/>
         <a:buChar char="•"/>
-        <a:defRPr sz="1875" kern="1200">
+        <a:defRPr sz="1920" kern="1200">
           <a:solidFill>
             <a:schemeClr val="tx1"/>
           </a:solidFill>
@@ -2800,16 +2797,16 @@
           <a:cs typeface="+mn-cs"/>
         </a:defRPr>
       </a:lvl6pPr>
-      <a:lvl7pPr marL="3095724" indent="-238133" algn="l" defTabSz="952530" rtl="0" eaLnBrk="1" latinLnBrk="0" hangingPunct="1">
+      <a:lvl7pPr marL="3170019" indent="-243848" algn="l" defTabSz="975390" rtl="0" eaLnBrk="1" latinLnBrk="0" hangingPunct="1">
         <a:lnSpc>
           <a:spcPct val="90000"/>
         </a:lnSpc>
         <a:spcBef>
-          <a:spcPts val="521"/>
+          <a:spcPts val="533"/>
         </a:spcBef>
         <a:buFont typeface="Arial" panose="020B0604020202020204" pitchFamily="34" charset="0"/>
         <a:buChar char="•"/>
-        <a:defRPr sz="1875" kern="1200">
+        <a:defRPr sz="1920" kern="1200">
           <a:solidFill>
             <a:schemeClr val="tx1"/>
           </a:solidFill>
@@ -2818,16 +2815,16 @@
           <a:cs typeface="+mn-cs"/>
         </a:defRPr>
       </a:lvl7pPr>
-      <a:lvl8pPr marL="3571989" indent="-238133" algn="l" defTabSz="952530" rtl="0" eaLnBrk="1" latinLnBrk="0" hangingPunct="1">
+      <a:lvl8pPr marL="3657714" indent="-243848" algn="l" defTabSz="975390" rtl="0" eaLnBrk="1" latinLnBrk="0" hangingPunct="1">
         <a:lnSpc>
           <a:spcPct val="90000"/>
         </a:lnSpc>
         <a:spcBef>
-          <a:spcPts val="521"/>
+          <a:spcPts val="533"/>
         </a:spcBef>
         <a:buFont typeface="Arial" panose="020B0604020202020204" pitchFamily="34" charset="0"/>
         <a:buChar char="•"/>
-        <a:defRPr sz="1875" kern="1200">
+        <a:defRPr sz="1920" kern="1200">
           <a:solidFill>
             <a:schemeClr val="tx1"/>
           </a:solidFill>
@@ -2836,16 +2833,16 @@
           <a:cs typeface="+mn-cs"/>
         </a:defRPr>
       </a:lvl8pPr>
-      <a:lvl9pPr marL="4048255" indent="-238133" algn="l" defTabSz="952530" rtl="0" eaLnBrk="1" latinLnBrk="0" hangingPunct="1">
+      <a:lvl9pPr marL="4145410" indent="-243848" algn="l" defTabSz="975390" rtl="0" eaLnBrk="1" latinLnBrk="0" hangingPunct="1">
         <a:lnSpc>
           <a:spcPct val="90000"/>
         </a:lnSpc>
         <a:spcBef>
-          <a:spcPts val="521"/>
+          <a:spcPts val="533"/>
         </a:spcBef>
         <a:buFont typeface="Arial" panose="020B0604020202020204" pitchFamily="34" charset="0"/>
         <a:buChar char="•"/>
-        <a:defRPr sz="1875" kern="1200">
+        <a:defRPr sz="1920" kern="1200">
           <a:solidFill>
             <a:schemeClr val="tx1"/>
           </a:solidFill>
@@ -2859,8 +2856,8 @@
       <a:defPPr>
         <a:defRPr lang="en-US"/>
       </a:defPPr>
-      <a:lvl1pPr marL="0" algn="l" defTabSz="952530" rtl="0" eaLnBrk="1" latinLnBrk="0" hangingPunct="1">
-        <a:defRPr sz="1875" kern="1200">
+      <a:lvl1pPr marL="0" algn="l" defTabSz="975390" rtl="0" eaLnBrk="1" latinLnBrk="0" hangingPunct="1">
+        <a:defRPr sz="1920" kern="1200">
           <a:solidFill>
             <a:schemeClr val="tx1"/>
           </a:solidFill>
@@ -2869,8 +2866,8 @@
           <a:cs typeface="+mn-cs"/>
         </a:defRPr>
       </a:lvl1pPr>
-      <a:lvl2pPr marL="476265" algn="l" defTabSz="952530" rtl="0" eaLnBrk="1" latinLnBrk="0" hangingPunct="1">
-        <a:defRPr sz="1875" kern="1200">
+      <a:lvl2pPr marL="487695" algn="l" defTabSz="975390" rtl="0" eaLnBrk="1" latinLnBrk="0" hangingPunct="1">
+        <a:defRPr sz="1920" kern="1200">
           <a:solidFill>
             <a:schemeClr val="tx1"/>
           </a:solidFill>
@@ -2879,8 +2876,8 @@
           <a:cs typeface="+mn-cs"/>
         </a:defRPr>
       </a:lvl2pPr>
-      <a:lvl3pPr marL="952530" algn="l" defTabSz="952530" rtl="0" eaLnBrk="1" latinLnBrk="0" hangingPunct="1">
-        <a:defRPr sz="1875" kern="1200">
+      <a:lvl3pPr marL="975390" algn="l" defTabSz="975390" rtl="0" eaLnBrk="1" latinLnBrk="0" hangingPunct="1">
+        <a:defRPr sz="1920" kern="1200">
           <a:solidFill>
             <a:schemeClr val="tx1"/>
           </a:solidFill>
@@ -2889,8 +2886,8 @@
           <a:cs typeface="+mn-cs"/>
         </a:defRPr>
       </a:lvl3pPr>
-      <a:lvl4pPr marL="1428796" algn="l" defTabSz="952530" rtl="0" eaLnBrk="1" latinLnBrk="0" hangingPunct="1">
-        <a:defRPr sz="1875" kern="1200">
+      <a:lvl4pPr marL="1463086" algn="l" defTabSz="975390" rtl="0" eaLnBrk="1" latinLnBrk="0" hangingPunct="1">
+        <a:defRPr sz="1920" kern="1200">
           <a:solidFill>
             <a:schemeClr val="tx1"/>
           </a:solidFill>
@@ -2899,8 +2896,8 @@
           <a:cs typeface="+mn-cs"/>
         </a:defRPr>
       </a:lvl4pPr>
-      <a:lvl5pPr marL="1905061" algn="l" defTabSz="952530" rtl="0" eaLnBrk="1" latinLnBrk="0" hangingPunct="1">
-        <a:defRPr sz="1875" kern="1200">
+      <a:lvl5pPr marL="1950781" algn="l" defTabSz="975390" rtl="0" eaLnBrk="1" latinLnBrk="0" hangingPunct="1">
+        <a:defRPr sz="1920" kern="1200">
           <a:solidFill>
             <a:schemeClr val="tx1"/>
           </a:solidFill>
@@ -2909,8 +2906,8 @@
           <a:cs typeface="+mn-cs"/>
         </a:defRPr>
       </a:lvl5pPr>
-      <a:lvl6pPr marL="2381326" algn="l" defTabSz="952530" rtl="0" eaLnBrk="1" latinLnBrk="0" hangingPunct="1">
-        <a:defRPr sz="1875" kern="1200">
+      <a:lvl6pPr marL="2438476" algn="l" defTabSz="975390" rtl="0" eaLnBrk="1" latinLnBrk="0" hangingPunct="1">
+        <a:defRPr sz="1920" kern="1200">
           <a:solidFill>
             <a:schemeClr val="tx1"/>
           </a:solidFill>
@@ -2919,8 +2916,8 @@
           <a:cs typeface="+mn-cs"/>
         </a:defRPr>
       </a:lvl6pPr>
-      <a:lvl7pPr marL="2857591" algn="l" defTabSz="952530" rtl="0" eaLnBrk="1" latinLnBrk="0" hangingPunct="1">
-        <a:defRPr sz="1875" kern="1200">
+      <a:lvl7pPr marL="2926171" algn="l" defTabSz="975390" rtl="0" eaLnBrk="1" latinLnBrk="0" hangingPunct="1">
+        <a:defRPr sz="1920" kern="1200">
           <a:solidFill>
             <a:schemeClr val="tx1"/>
           </a:solidFill>
@@ -2929,8 +2926,8 @@
           <a:cs typeface="+mn-cs"/>
         </a:defRPr>
       </a:lvl7pPr>
-      <a:lvl8pPr marL="3333857" algn="l" defTabSz="952530" rtl="0" eaLnBrk="1" latinLnBrk="0" hangingPunct="1">
-        <a:defRPr sz="1875" kern="1200">
+      <a:lvl8pPr marL="3413867" algn="l" defTabSz="975390" rtl="0" eaLnBrk="1" latinLnBrk="0" hangingPunct="1">
+        <a:defRPr sz="1920" kern="1200">
           <a:solidFill>
             <a:schemeClr val="tx1"/>
           </a:solidFill>
@@ -2939,8 +2936,8 @@
           <a:cs typeface="+mn-cs"/>
         </a:defRPr>
       </a:lvl8pPr>
-      <a:lvl9pPr marL="3810122" algn="l" defTabSz="952530" rtl="0" eaLnBrk="1" latinLnBrk="0" hangingPunct="1">
-        <a:defRPr sz="1875" kern="1200">
+      <a:lvl9pPr marL="3901562" algn="l" defTabSz="975390" rtl="0" eaLnBrk="1" latinLnBrk="0" hangingPunct="1">
+        <a:defRPr sz="1920" kern="1200">
           <a:solidFill>
             <a:schemeClr val="tx1"/>
           </a:solidFill>
@@ -2959,21 +2956,9 @@
   <p:cSld>
     <p:bg>
       <p:bgPr>
-        <a:gradFill flip="none" rotWithShape="1">
-          <a:gsLst>
-            <a:gs pos="0">
-              <a:srgbClr val="1C3144"/>
-            </a:gs>
-            <a:gs pos="48000">
-              <a:srgbClr val="27445F"/>
-            </a:gs>
-            <a:gs pos="100000">
-              <a:srgbClr val="1C3144"/>
-            </a:gs>
-          </a:gsLst>
-          <a:lin ang="16200000" scaled="1"/>
-          <a:tileRect/>
-        </a:gradFill>
+        <a:solidFill>
+          <a:srgbClr val="2B2D42"/>
+        </a:solidFill>
         <a:effectLst/>
       </p:bgPr>
     </p:bg>
@@ -2993,10 +2978,10 @@
       </p:grpSpPr>
       <p:sp>
         <p:nvSpPr>
-          <p:cNvPr id="4" name="Rectangle: Rounded Corners 3">
+          <p:cNvPr id="7" name="Rectangle 6">
             <a:extLst>
               <a:ext uri="{FF2B5EF4-FFF2-40B4-BE49-F238E27FC236}">
-                <a16:creationId xmlns:a16="http://schemas.microsoft.com/office/drawing/2014/main" id="{BE31B2B7-6DA5-CEAC-0342-45E5963ABE6B}"/>
+                <a16:creationId xmlns:a16="http://schemas.microsoft.com/office/drawing/2014/main" id="{7ABD8E0A-6AB3-E367-C854-AFC55D49AE02}"/>
               </a:ext>
             </a:extLst>
           </p:cNvPr>
@@ -3005,24 +2990,84 @@
         </p:nvSpPr>
         <p:spPr>
           <a:xfrm>
-            <a:off x="190500" y="2357436"/>
-            <a:ext cx="9144000" cy="4429127"/>
+            <a:off x="2061661" y="95442"/>
+            <a:ext cx="10859509" cy="527128"/>
+          </a:xfrm>
+          <a:prstGeom prst="rect">
+            <a:avLst/>
+          </a:prstGeom>
+          <a:solidFill>
+            <a:srgbClr val="494D6F"/>
+          </a:solidFill>
+          <a:ln>
+            <a:noFill/>
+          </a:ln>
+        </p:spPr>
+        <p:style>
+          <a:lnRef idx="2">
+            <a:schemeClr val="accent1">
+              <a:shade val="50000"/>
+            </a:schemeClr>
+          </a:lnRef>
+          <a:fillRef idx="1">
+            <a:schemeClr val="accent1"/>
+          </a:fillRef>
+          <a:effectRef idx="0">
+            <a:schemeClr val="accent1"/>
+          </a:effectRef>
+          <a:fontRef idx="minor">
+            <a:schemeClr val="lt1"/>
+          </a:fontRef>
+        </p:style>
+        <p:txBody>
+          <a:bodyPr rtlCol="0" anchor="ctr"/>
+          <a:lstStyle/>
+          <a:p>
+            <a:pPr algn="ctr"/>
+            <a:endParaRPr lang="en-US"/>
+          </a:p>
+        </p:txBody>
+      </p:sp>
+      <p:sp>
+        <p:nvSpPr>
+          <p:cNvPr id="8" name="Rectangle: Rounded Corners 7">
+            <a:extLst>
+              <a:ext uri="{FF2B5EF4-FFF2-40B4-BE49-F238E27FC236}">
+                <a16:creationId xmlns:a16="http://schemas.microsoft.com/office/drawing/2014/main" id="{7EFDF87E-D890-6E9D-1187-2949A54308D5}"/>
+              </a:ext>
+            </a:extLst>
+          </p:cNvPr>
+          <p:cNvSpPr/>
+          <p:nvPr/>
+        </p:nvSpPr>
+        <p:spPr>
+          <a:xfrm>
+            <a:off x="252316" y="95442"/>
+            <a:ext cx="1893231" cy="7132209"/>
           </a:xfrm>
           <a:prstGeom prst="roundRect">
             <a:avLst>
-              <a:gd name="adj" fmla="val 1810"/>
+              <a:gd name="adj" fmla="val 3649"/>
             </a:avLst>
           </a:prstGeom>
           <a:gradFill>
             <a:gsLst>
+              <a:gs pos="100000">
+                <a:srgbClr val="26C5F3"/>
+              </a:gs>
+              <a:gs pos="71000">
+                <a:srgbClr val="855DF7"/>
+              </a:gs>
               <a:gs pos="0">
-                <a:srgbClr val="862A61"/>
+                <a:srgbClr val="4E2C70"/>
               </a:gs>
-              <a:gs pos="100000">
-                <a:srgbClr val="39647F"/>
+              <a:gs pos="31000">
+                <a:srgbClr val="702B9E"/>
               </a:gs>
             </a:gsLst>
-            <a:lin ang="10800000" scaled="0"/>
+            <a:path path="circle">
+              <a:fillToRect l="50000" t="130000" r="50000" b="-30000"/>
+            </a:path>
           </a:gradFill>
           <a:ln>
             <a:noFill/>
@@ -3055,10 +3100,10 @@
       </p:sp>
       <p:sp>
         <p:nvSpPr>
-          <p:cNvPr id="5" name="Oval 4">
+          <p:cNvPr id="10" name="Rectangle: Rounded Corners 9">
             <a:extLst>
               <a:ext uri="{FF2B5EF4-FFF2-40B4-BE49-F238E27FC236}">
-                <a16:creationId xmlns:a16="http://schemas.microsoft.com/office/drawing/2014/main" id="{8071F8AC-0A2D-D5C1-B79C-C55A8E16A7AE}"/>
+                <a16:creationId xmlns:a16="http://schemas.microsoft.com/office/drawing/2014/main" id="{635E94F7-5A90-8EF7-B8C4-9303A809C0CE}"/>
               </a:ext>
             </a:extLst>
           </p:cNvPr>
@@ -3067,14 +3112,16 @@
         </p:nvSpPr>
         <p:spPr>
           <a:xfrm>
-            <a:off x="190500" y="171450"/>
-            <a:ext cx="2066925" cy="2066925"/>
+            <a:off x="2277358" y="755724"/>
+            <a:ext cx="5220000" cy="2840476"/>
           </a:xfrm>
-          <a:prstGeom prst="ellipse">
-            <a:avLst/>
+          <a:prstGeom prst="roundRect">
+            <a:avLst>
+              <a:gd name="adj" fmla="val 1313"/>
+            </a:avLst>
           </a:prstGeom>
           <a:solidFill>
-            <a:srgbClr val="892B64"/>
+            <a:srgbClr val="494D6F"/>
           </a:solidFill>
           <a:ln>
             <a:noFill/>
@@ -3107,10 +3154,10 @@
       </p:sp>
       <p:sp>
         <p:nvSpPr>
-          <p:cNvPr id="6" name="Rectangle: Rounded Corners 5">
+          <p:cNvPr id="5" name="Oval 4">
             <a:extLst>
               <a:ext uri="{FF2B5EF4-FFF2-40B4-BE49-F238E27FC236}">
-                <a16:creationId xmlns:a16="http://schemas.microsoft.com/office/drawing/2014/main" id="{9FD6413A-1A4E-1D15-8B8C-3FF264DF94F4}"/>
+                <a16:creationId xmlns:a16="http://schemas.microsoft.com/office/drawing/2014/main" id="{472141E7-1750-6E5A-616F-BEFC7DF254F6}"/>
               </a:ext>
             </a:extLst>
           </p:cNvPr>
@@ -3119,25 +3166,144 @@
         </p:nvSpPr>
         <p:spPr>
           <a:xfrm>
-            <a:off x="190500" y="6858000"/>
-            <a:ext cx="9144000" cy="2914649"/>
+            <a:off x="89979" y="384248"/>
+            <a:ext cx="2217906" cy="2217906"/>
+          </a:xfrm>
+          <a:prstGeom prst="ellipse">
+            <a:avLst/>
+          </a:prstGeom>
+          <a:solidFill>
+            <a:srgbClr val="F5F5F5"/>
+          </a:solidFill>
+          <a:ln>
+            <a:noFill/>
+          </a:ln>
+          <a:effectLst>
+            <a:outerShdw blurRad="63500" sx="102000" sy="102000" algn="ctr" rotWithShape="0">
+              <a:prstClr val="black">
+                <a:alpha val="40000"/>
+              </a:prstClr>
+            </a:outerShdw>
+          </a:effectLst>
+        </p:spPr>
+        <p:style>
+          <a:lnRef idx="2">
+            <a:schemeClr val="accent1">
+              <a:shade val="50000"/>
+            </a:schemeClr>
+          </a:lnRef>
+          <a:fillRef idx="1">
+            <a:schemeClr val="accent1"/>
+          </a:fillRef>
+          <a:effectRef idx="0">
+            <a:schemeClr val="accent1"/>
+          </a:effectRef>
+          <a:fontRef idx="minor">
+            <a:schemeClr val="lt1"/>
+          </a:fontRef>
+        </p:style>
+        <p:txBody>
+          <a:bodyPr rtlCol="0" anchor="ctr"/>
+          <a:lstStyle/>
+          <a:p>
+            <a:pPr algn="ctr"/>
+            <a:endParaRPr lang="en-US"/>
+          </a:p>
+        </p:txBody>
+      </p:sp>
+      <p:sp>
+        <p:nvSpPr>
+          <p:cNvPr id="6" name="Oval 5">
+            <a:extLst>
+              <a:ext uri="{FF2B5EF4-FFF2-40B4-BE49-F238E27FC236}">
+                <a16:creationId xmlns:a16="http://schemas.microsoft.com/office/drawing/2014/main" id="{21138685-D66F-8F68-3E19-1FD5D650E531}"/>
+              </a:ext>
+            </a:extLst>
+          </p:cNvPr>
+          <p:cNvSpPr/>
+          <p:nvPr/>
+        </p:nvSpPr>
+        <p:spPr>
+          <a:xfrm>
+            <a:off x="252317" y="546586"/>
+            <a:ext cx="1893231" cy="1893231"/>
+          </a:xfrm>
+          <a:prstGeom prst="ellipse">
+            <a:avLst/>
+          </a:prstGeom>
+          <a:solidFill>
+            <a:srgbClr val="F5F5F5"/>
+          </a:solidFill>
+          <a:ln>
+            <a:noFill/>
+          </a:ln>
+          <a:effectLst>
+            <a:outerShdw blurRad="63500" sx="102000" sy="102000" algn="ctr" rotWithShape="0">
+              <a:prstClr val="black">
+                <a:alpha val="40000"/>
+              </a:prstClr>
+            </a:outerShdw>
+          </a:effectLst>
+          <a:scene3d>
+            <a:camera prst="orthographicFront">
+              <a:rot lat="0" lon="0" rev="0"/>
+            </a:camera>
+            <a:lightRig rig="glow" dir="t">
+              <a:rot lat="0" lon="0" rev="4800000"/>
+            </a:lightRig>
+          </a:scene3d>
+          <a:sp3d prstMaterial="matte"/>
+        </p:spPr>
+        <p:style>
+          <a:lnRef idx="2">
+            <a:schemeClr val="accent1">
+              <a:shade val="50000"/>
+            </a:schemeClr>
+          </a:lnRef>
+          <a:fillRef idx="1">
+            <a:schemeClr val="accent1"/>
+          </a:fillRef>
+          <a:effectRef idx="0">
+            <a:schemeClr val="accent1"/>
+          </a:effectRef>
+          <a:fontRef idx="minor">
+            <a:schemeClr val="lt1"/>
+          </a:fontRef>
+        </p:style>
+        <p:txBody>
+          <a:bodyPr rtlCol="0" anchor="ctr"/>
+          <a:lstStyle/>
+          <a:p>
+            <a:pPr algn="ctr"/>
+            <a:endParaRPr lang="en-US"/>
+          </a:p>
+        </p:txBody>
+      </p:sp>
+      <p:sp>
+        <p:nvSpPr>
+          <p:cNvPr id="12" name="Rectangle: Rounded Corners 11">
+            <a:extLst>
+              <a:ext uri="{FF2B5EF4-FFF2-40B4-BE49-F238E27FC236}">
+                <a16:creationId xmlns:a16="http://schemas.microsoft.com/office/drawing/2014/main" id="{7AA47A68-7BD0-B58C-33E5-E49E80C57DEB}"/>
+              </a:ext>
+            </a:extLst>
+          </p:cNvPr>
+          <p:cNvSpPr/>
+          <p:nvPr/>
+        </p:nvSpPr>
+        <p:spPr>
+          <a:xfrm>
+            <a:off x="7701170" y="755724"/>
+            <a:ext cx="5220000" cy="2840476"/>
           </a:xfrm>
           <a:prstGeom prst="roundRect">
             <a:avLst>
-              <a:gd name="adj" fmla="val 1810"/>
+              <a:gd name="adj" fmla="val 1313"/>
             </a:avLst>
           </a:prstGeom>
-          <a:gradFill>
-            <a:gsLst>
-              <a:gs pos="0">
-                <a:srgbClr val="862A61"/>
-              </a:gs>
-              <a:gs pos="100000">
-                <a:srgbClr val="39647F"/>
-              </a:gs>
-            </a:gsLst>
-            <a:lin ang="10800000" scaled="0"/>
-          </a:gradFill>
+          <a:solidFill>
+            <a:srgbClr val="494D6F"/>
+          </a:solidFill>
           <a:ln>
             <a:noFill/>
           </a:ln>
@@ -3169,366 +3335,47 @@
       </p:sp>
       <p:sp>
         <p:nvSpPr>
-          <p:cNvPr id="7" name="TextBox 6">
+          <p:cNvPr id="13" name="Rectangle: Rounded Corners 12">
             <a:extLst>
               <a:ext uri="{FF2B5EF4-FFF2-40B4-BE49-F238E27FC236}">
-                <a16:creationId xmlns:a16="http://schemas.microsoft.com/office/drawing/2014/main" id="{1B35DFFE-B37B-2EB6-96CD-9BEFA11D26B3}"/>
+                <a16:creationId xmlns:a16="http://schemas.microsoft.com/office/drawing/2014/main" id="{599C12FD-BDBB-1538-E38F-5D4F7DE458B7}"/>
               </a:ext>
             </a:extLst>
           </p:cNvPr>
-          <p:cNvSpPr txBox="1"/>
+          <p:cNvSpPr/>
           <p:nvPr/>
         </p:nvSpPr>
         <p:spPr>
           <a:xfrm>
-            <a:off x="2590799" y="171450"/>
-            <a:ext cx="2171700" cy="923330"/>
+            <a:off x="2271415" y="3719000"/>
+            <a:ext cx="7072610" cy="3500758"/>
           </a:xfrm>
-          <a:prstGeom prst="rect">
-            <a:avLst/>
+          <a:prstGeom prst="roundRect">
+            <a:avLst>
+              <a:gd name="adj" fmla="val 1313"/>
+            </a:avLst>
           </a:prstGeom>
-          <a:noFill/>
-        </p:spPr>
-        <p:txBody>
-          <a:bodyPr wrap="square" rtlCol="0">
-            <a:spAutoFit/>
-          </a:bodyPr>
-          <a:lstStyle/>
-          <a:p>
-            <a:r>
-              <a:rPr lang="en-US" sz="5400" dirty="0">
-                <a:solidFill>
-                  <a:schemeClr val="bg1"/>
-                </a:solidFill>
-                <a:latin typeface="Montserrat" panose="02000505000000020004" pitchFamily="2" charset="0"/>
-              </a:rPr>
-              <a:t>IVAN</a:t>
-            </a:r>
-          </a:p>
-        </p:txBody>
-      </p:sp>
-      <p:sp>
-        <p:nvSpPr>
-          <p:cNvPr id="8" name="TextBox 7">
-            <a:extLst>
-              <a:ext uri="{FF2B5EF4-FFF2-40B4-BE49-F238E27FC236}">
-                <a16:creationId xmlns:a16="http://schemas.microsoft.com/office/drawing/2014/main" id="{A8C1968E-6EAC-259D-D783-AFACEF9CB5A6}"/>
-              </a:ext>
-            </a:extLst>
-          </p:cNvPr>
-          <p:cNvSpPr txBox="1"/>
-          <p:nvPr/>
-        </p:nvSpPr>
-        <p:spPr>
-          <a:xfrm>
-            <a:off x="2590799" y="802778"/>
-            <a:ext cx="2867025" cy="923330"/>
-          </a:xfrm>
-          <a:prstGeom prst="rect">
-            <a:avLst/>
-          </a:prstGeom>
-          <a:noFill/>
-        </p:spPr>
-        <p:txBody>
-          <a:bodyPr wrap="square" rtlCol="0">
-            <a:spAutoFit/>
-          </a:bodyPr>
-          <a:lstStyle/>
-          <a:p>
-            <a:r>
-              <a:rPr lang="en-US" sz="5400" dirty="0">
-                <a:solidFill>
-                  <a:srgbClr val="C74D96"/>
-                </a:solidFill>
-                <a:latin typeface="Montserrat" panose="02000505000000020004" pitchFamily="2" charset="0"/>
-              </a:rPr>
-              <a:t>JARPA</a:t>
-            </a:r>
-          </a:p>
-        </p:txBody>
-      </p:sp>
-      <p:cxnSp>
-        <p:nvCxnSpPr>
-          <p:cNvPr id="11" name="Straight Connector 10">
-            <a:extLst>
-              <a:ext uri="{FF2B5EF4-FFF2-40B4-BE49-F238E27FC236}">
-                <a16:creationId xmlns:a16="http://schemas.microsoft.com/office/drawing/2014/main" id="{EC821FE1-8CA9-D8B3-88A7-7DB86F6CFBAB}"/>
-              </a:ext>
-            </a:extLst>
-          </p:cNvPr>
-          <p:cNvCxnSpPr/>
-          <p:nvPr/>
-        </p:nvCxnSpPr>
-        <p:spPr>
-          <a:xfrm>
-            <a:off x="5457824" y="257174"/>
-            <a:ext cx="0" cy="1895475"/>
-          </a:xfrm>
-          <a:prstGeom prst="line">
-            <a:avLst/>
-          </a:prstGeom>
+          <a:solidFill>
+            <a:srgbClr val="494D6F"/>
+          </a:solidFill>
           <a:ln>
-            <a:solidFill>
-              <a:schemeClr val="bg1">
-                <a:lumMod val="65000"/>
-              </a:schemeClr>
-            </a:solidFill>
+            <a:noFill/>
           </a:ln>
         </p:spPr>
         <p:style>
-          <a:lnRef idx="1">
-            <a:schemeClr val="accent1"/>
+          <a:lnRef idx="2">
+            <a:schemeClr val="accent1">
+              <a:shade val="50000"/>
+            </a:schemeClr>
           </a:lnRef>
-          <a:fillRef idx="0">
+          <a:fillRef idx="1">
             <a:schemeClr val="accent1"/>
           </a:fillRef>
           <a:effectRef idx="0">
             <a:schemeClr val="accent1"/>
           </a:effectRef>
           <a:fontRef idx="minor">
-            <a:schemeClr val="tx1"/>
-          </a:fontRef>
-        </p:style>
-      </p:cxnSp>
-      <p:cxnSp>
-        <p:nvCxnSpPr>
-          <p:cNvPr id="2" name="Straight Connector 1">
-            <a:extLst>
-              <a:ext uri="{FF2B5EF4-FFF2-40B4-BE49-F238E27FC236}">
-                <a16:creationId xmlns:a16="http://schemas.microsoft.com/office/drawing/2014/main" id="{E76818BB-1C20-ACE5-06CB-4F175191530C}"/>
-              </a:ext>
-            </a:extLst>
-          </p:cNvPr>
-          <p:cNvCxnSpPr>
-            <a:cxnSpLocks/>
-            <a:endCxn id="10" idx="4"/>
-          </p:cNvCxnSpPr>
-          <p:nvPr/>
-        </p:nvCxnSpPr>
-        <p:spPr>
-          <a:xfrm>
-            <a:off x="4762499" y="3214688"/>
-            <a:ext cx="0" cy="3380357"/>
-          </a:xfrm>
-          <a:prstGeom prst="line">
-            <a:avLst/>
-          </a:prstGeom>
-          <a:ln>
-            <a:solidFill>
-              <a:schemeClr val="bg1">
-                <a:lumMod val="65000"/>
-              </a:schemeClr>
-            </a:solidFill>
-          </a:ln>
-        </p:spPr>
-        <p:style>
-          <a:lnRef idx="1">
-            <a:schemeClr val="accent1"/>
-          </a:lnRef>
-          <a:fillRef idx="0">
-            <a:schemeClr val="accent1"/>
-          </a:fillRef>
-          <a:effectRef idx="0">
-            <a:schemeClr val="accent1"/>
-          </a:effectRef>
-          <a:fontRef idx="minor">
-            <a:schemeClr val="tx1"/>
-          </a:fontRef>
-        </p:style>
-      </p:cxnSp>
-      <p:sp>
-        <p:nvSpPr>
-          <p:cNvPr id="10" name="Oval 9">
-            <a:extLst>
-              <a:ext uri="{FF2B5EF4-FFF2-40B4-BE49-F238E27FC236}">
-                <a16:creationId xmlns:a16="http://schemas.microsoft.com/office/drawing/2014/main" id="{A4231D0B-07DB-F859-C756-0D95B58B73CC}"/>
-              </a:ext>
-            </a:extLst>
-          </p:cNvPr>
-          <p:cNvSpPr/>
-          <p:nvPr/>
-        </p:nvSpPr>
-        <p:spPr>
-          <a:xfrm>
-            <a:off x="4660107" y="6390261"/>
-            <a:ext cx="204784" cy="204784"/>
-          </a:xfrm>
-          <a:prstGeom prst="ellipse">
-            <a:avLst/>
-          </a:prstGeom>
-          <a:ln w="6350">
-            <a:solidFill>
-              <a:schemeClr val="bg1">
-                <a:lumMod val="65000"/>
-              </a:schemeClr>
-            </a:solidFill>
-          </a:ln>
-        </p:spPr>
-        <p:style>
-          <a:lnRef idx="2">
-            <a:schemeClr val="dk1"/>
-          </a:lnRef>
-          <a:fillRef idx="1">
             <a:schemeClr val="lt1"/>
-          </a:fillRef>
-          <a:effectRef idx="0">
-            <a:schemeClr val="dk1"/>
-          </a:effectRef>
-          <a:fontRef idx="minor">
-            <a:schemeClr val="dk1"/>
-          </a:fontRef>
-        </p:style>
-        <p:txBody>
-          <a:bodyPr rtlCol="0" anchor="ctr"/>
-          <a:lstStyle/>
-          <a:p>
-            <a:pPr algn="ctr"/>
-            <a:endParaRPr lang="en-US"/>
-          </a:p>
-        </p:txBody>
-      </p:sp>
-      <p:sp>
-        <p:nvSpPr>
-          <p:cNvPr id="13" name="Oval 12">
-            <a:extLst>
-              <a:ext uri="{FF2B5EF4-FFF2-40B4-BE49-F238E27FC236}">
-                <a16:creationId xmlns:a16="http://schemas.microsoft.com/office/drawing/2014/main" id="{BF2F3F18-41DF-6016-47D6-7BDD836DA113}"/>
-              </a:ext>
-            </a:extLst>
-          </p:cNvPr>
-          <p:cNvSpPr/>
-          <p:nvPr/>
-        </p:nvSpPr>
-        <p:spPr>
-          <a:xfrm>
-            <a:off x="4660107" y="3214688"/>
-            <a:ext cx="204784" cy="204784"/>
-          </a:xfrm>
-          <a:prstGeom prst="ellipse">
-            <a:avLst/>
-          </a:prstGeom>
-          <a:ln w="6350">
-            <a:solidFill>
-              <a:schemeClr val="bg1">
-                <a:lumMod val="65000"/>
-              </a:schemeClr>
-            </a:solidFill>
-          </a:ln>
-        </p:spPr>
-        <p:style>
-          <a:lnRef idx="2">
-            <a:schemeClr val="dk1"/>
-          </a:lnRef>
-          <a:fillRef idx="1">
-            <a:schemeClr val="lt1"/>
-          </a:fillRef>
-          <a:effectRef idx="0">
-            <a:schemeClr val="dk1"/>
-          </a:effectRef>
-          <a:fontRef idx="minor">
-            <a:schemeClr val="dk1"/>
-          </a:fontRef>
-        </p:style>
-        <p:txBody>
-          <a:bodyPr rtlCol="0" anchor="ctr"/>
-          <a:lstStyle/>
-          <a:p>
-            <a:pPr algn="ctr"/>
-            <a:endParaRPr lang="en-US"/>
-          </a:p>
-        </p:txBody>
-      </p:sp>
-      <p:sp>
-        <p:nvSpPr>
-          <p:cNvPr id="14" name="Oval 13">
-            <a:extLst>
-              <a:ext uri="{FF2B5EF4-FFF2-40B4-BE49-F238E27FC236}">
-                <a16:creationId xmlns:a16="http://schemas.microsoft.com/office/drawing/2014/main" id="{5E0B6982-78A6-4B70-E5EE-6C70748BDD97}"/>
-              </a:ext>
-            </a:extLst>
-          </p:cNvPr>
-          <p:cNvSpPr/>
-          <p:nvPr/>
-        </p:nvSpPr>
-        <p:spPr>
-          <a:xfrm>
-            <a:off x="4660107" y="5554149"/>
-            <a:ext cx="204784" cy="204784"/>
-          </a:xfrm>
-          <a:prstGeom prst="ellipse">
-            <a:avLst/>
-          </a:prstGeom>
-          <a:ln w="6350">
-            <a:solidFill>
-              <a:schemeClr val="bg1">
-                <a:lumMod val="65000"/>
-              </a:schemeClr>
-            </a:solidFill>
-          </a:ln>
-        </p:spPr>
-        <p:style>
-          <a:lnRef idx="2">
-            <a:schemeClr val="dk1"/>
-          </a:lnRef>
-          <a:fillRef idx="1">
-            <a:schemeClr val="lt1"/>
-          </a:fillRef>
-          <a:effectRef idx="0">
-            <a:schemeClr val="dk1"/>
-          </a:effectRef>
-          <a:fontRef idx="minor">
-            <a:schemeClr val="dk1"/>
-          </a:fontRef>
-        </p:style>
-        <p:txBody>
-          <a:bodyPr rtlCol="0" anchor="ctr"/>
-          <a:lstStyle/>
-          <a:p>
-            <a:pPr algn="ctr"/>
-            <a:endParaRPr lang="en-US"/>
-          </a:p>
-        </p:txBody>
-      </p:sp>
-      <p:sp>
-        <p:nvSpPr>
-          <p:cNvPr id="15" name="Oval 14">
-            <a:extLst>
-              <a:ext uri="{FF2B5EF4-FFF2-40B4-BE49-F238E27FC236}">
-                <a16:creationId xmlns:a16="http://schemas.microsoft.com/office/drawing/2014/main" id="{3FC1D258-76BF-D33A-EA56-84C0BCF94115}"/>
-              </a:ext>
-            </a:extLst>
-          </p:cNvPr>
-          <p:cNvSpPr/>
-          <p:nvPr/>
-        </p:nvSpPr>
-        <p:spPr>
-          <a:xfrm>
-            <a:off x="4660107" y="4718037"/>
-            <a:ext cx="204784" cy="204784"/>
-          </a:xfrm>
-          <a:prstGeom prst="ellipse">
-            <a:avLst/>
-          </a:prstGeom>
-          <a:ln w="6350">
-            <a:solidFill>
-              <a:schemeClr val="bg1">
-                <a:lumMod val="65000"/>
-              </a:schemeClr>
-            </a:solidFill>
-          </a:ln>
-        </p:spPr>
-        <p:style>
-          <a:lnRef idx="2">
-            <a:schemeClr val="dk1"/>
-          </a:lnRef>
-          <a:fillRef idx="1">
-            <a:schemeClr val="lt1"/>
-          </a:fillRef>
-          <a:effectRef idx="0">
-            <a:schemeClr val="dk1"/>
-          </a:effectRef>
-          <a:fontRef idx="minor">
-            <a:schemeClr val="dk1"/>
           </a:fontRef>
         </p:style>
         <p:txBody>
@@ -3543,7 +3390,7 @@
     </p:spTree>
     <p:extLst>
       <p:ext uri="{BB962C8B-B14F-4D97-AF65-F5344CB8AC3E}">
-        <p14:creationId xmlns:p14="http://schemas.microsoft.com/office/powerpoint/2010/main" val="2765713451"/>
+        <p14:creationId xmlns:p14="http://schemas.microsoft.com/office/powerpoint/2010/main" val="443668873"/>
       </p:ext>
     </p:extLst>
   </p:cSld>
@@ -3808,7 +3655,7 @@
   <a:extraClrSchemeLst/>
   <a:extLst>
     <a:ext uri="{05A4C25C-085E-4340-85A3-A5531E510DB2}">
-      <thm15:themeFamily xmlns:thm15="http://schemas.microsoft.com/office/thememl/2012/main" name="Office Theme" id="{62F939B6-93AF-4DB8-9C6B-D6C7DFDC589F}" vid="{4A3C46E8-61CC-4603-A589-7422A47A8E4A}"/>
+      <thm15:themeFamily xmlns:thm15="http://schemas.microsoft.com/office/thememl/2012/main" name="Office Theme 2013 - 2022" id="{62F939B6-93AF-4DB8-9C6B-D6C7DFDC589F}" vid="{4A3C46E8-61CC-4603-A589-7422A47A8E4A}"/>
     </a:ext>
   </a:extLst>
 </a:theme>
